--- a/final/基於分散式網路架構進行階層式分類.pptx
+++ b/final/基於分散式網路架構進行階層式分類.pptx
@@ -3771,15 +3771,7 @@
             </a:r>
             <a:r>
               <a:rPr lang="zh-TW" altLang="en-US" dirty="0" smtClean="0"/>
-              <a:t>階層</a:t>
-            </a:r>
-            <a:r>
-              <a:rPr lang="zh-TW" altLang="en-US" dirty="0" smtClean="0"/>
-              <a:t>式</a:t>
-            </a:r>
-            <a:r>
-              <a:rPr lang="zh-TW" altLang="en-US" dirty="0" smtClean="0"/>
-              <a:t>分類</a:t>
+              <a:t>階層式分類</a:t>
             </a:r>
             <a:endParaRPr lang="zh-TW" altLang="en-US" sz="4000" b="0" dirty="0"/>
           </a:p>
@@ -3875,81 +3867,73 @@
           <a:lstStyle/>
           <a:p>
             <a:r>
-              <a:rPr lang="zh-TW" altLang="en-US" sz="2000" dirty="0" smtClean="0"/>
+              <a:rPr lang="zh-TW" altLang="en-US" sz="2400" dirty="0" smtClean="0"/>
               <a:t>功能需求：</a:t>
             </a:r>
-            <a:endParaRPr lang="en-US" altLang="zh-TW" sz="2000" dirty="0" smtClean="0"/>
+            <a:endParaRPr lang="en-US" altLang="zh-TW" sz="2400" dirty="0" smtClean="0"/>
           </a:p>
           <a:p>
             <a:pPr lvl="1"/>
             <a:r>
-              <a:rPr lang="zh-TW" altLang="en-US" sz="2000" dirty="0" smtClean="0"/>
-              <a:t>一般在訓練時</a:t>
-            </a:r>
-            <a:r>
-              <a:rPr lang="zh-TW" altLang="en-US" sz="2000" dirty="0" smtClean="0"/>
-              <a:t>，如果輸入參數越多，在做訓練的時間就會相對提高，如果能將一個龐大的樣本集分割成數個小樣本集做訓練，可以減少訓練時間以及降低</a:t>
-            </a:r>
-            <a:r>
-              <a:rPr lang="en-US" altLang="zh-TW" sz="2000" dirty="0" smtClean="0"/>
+              <a:rPr lang="zh-TW" altLang="en-US" sz="2400" dirty="0" smtClean="0"/>
+              <a:t>一般在訓練時，如果輸入參數越多，在做訓練的時間就會相對提高，如果能將一個龐大的樣本集分割成數個小樣本集做訓練，可以減少訓練時間以及降低</a:t>
+            </a:r>
+            <a:r>
+              <a:rPr lang="en-US" altLang="zh-TW" sz="2400" dirty="0" smtClean="0"/>
               <a:t>overfitting</a:t>
             </a:r>
             <a:r>
-              <a:rPr lang="zh-TW" altLang="en-US" sz="2000" dirty="0" smtClean="0"/>
-              <a:t>的</a:t>
-            </a:r>
-            <a:r>
-              <a:rPr lang="zh-TW" altLang="en-US" sz="2000" dirty="0" smtClean="0"/>
-              <a:t>可能性</a:t>
-            </a:r>
-            <a:endParaRPr lang="en-US" altLang="zh-TW" sz="2000" dirty="0" smtClean="0"/>
+              <a:rPr lang="zh-TW" altLang="en-US" sz="2400" dirty="0" smtClean="0"/>
+              <a:t>的可能性</a:t>
+            </a:r>
+            <a:endParaRPr lang="en-US" altLang="zh-TW" sz="2400" dirty="0" smtClean="0"/>
           </a:p>
           <a:p>
             <a:pPr lvl="1"/>
             <a:r>
-              <a:rPr lang="en-US" altLang="zh-TW" sz="2000" dirty="0" smtClean="0"/>
+              <a:rPr lang="en-US" altLang="zh-TW" sz="2400" dirty="0" smtClean="0"/>
               <a:t>Out side test</a:t>
             </a:r>
             <a:r>
-              <a:rPr lang="zh-TW" altLang="en-US" sz="2000" dirty="0" smtClean="0"/>
+              <a:rPr lang="zh-TW" altLang="en-US" sz="2400" dirty="0" smtClean="0"/>
               <a:t>準確率</a:t>
             </a:r>
             <a:r>
-              <a:rPr lang="en-US" altLang="zh-TW" sz="2000" dirty="0" smtClean="0"/>
+              <a:rPr lang="en-US" altLang="zh-TW" sz="2400" dirty="0" smtClean="0"/>
               <a:t>90%</a:t>
             </a:r>
             <a:r>
-              <a:rPr lang="zh-TW" altLang="en-US" sz="2000" dirty="0" smtClean="0"/>
+              <a:rPr lang="zh-TW" altLang="en-US" sz="2400" dirty="0" smtClean="0"/>
               <a:t>以上</a:t>
             </a:r>
-            <a:endParaRPr lang="en-US" altLang="zh-TW" sz="2000" dirty="0" smtClean="0"/>
+            <a:endParaRPr lang="en-US" altLang="zh-TW" sz="2400" dirty="0" smtClean="0"/>
           </a:p>
           <a:p>
             <a:pPr marL="457200" lvl="1" indent="0">
               <a:buNone/>
             </a:pPr>
-            <a:endParaRPr lang="en-US" altLang="zh-TW" sz="2000" dirty="0"/>
-          </a:p>
-          <a:p>
-            <a:r>
-              <a:rPr lang="zh-TW" altLang="en-US" sz="2000" dirty="0"/>
+            <a:endParaRPr lang="en-US" altLang="zh-TW" sz="2400" dirty="0"/>
+          </a:p>
+          <a:p>
+            <a:r>
+              <a:rPr lang="zh-TW" altLang="en-US" sz="2400" dirty="0"/>
               <a:t>硬體需求：數台樹莓派</a:t>
             </a:r>
             <a:r>
-              <a:rPr lang="en-US" altLang="zh-TW" sz="2000" dirty="0"/>
+              <a:rPr lang="en-US" altLang="zh-TW" sz="2400" dirty="0"/>
               <a:t>(</a:t>
             </a:r>
             <a:r>
-              <a:rPr lang="zh-TW" altLang="en-US" sz="2000" dirty="0"/>
+              <a:rPr lang="zh-TW" altLang="en-US" sz="2400" dirty="0"/>
               <a:t>根據分層結構所需再做調整</a:t>
             </a:r>
             <a:r>
-              <a:rPr lang="en-US" altLang="zh-TW" sz="2000" dirty="0"/>
+              <a:rPr lang="en-US" altLang="zh-TW" sz="2400" dirty="0"/>
               <a:t>)</a:t>
             </a:r>
           </a:p>
           <a:p>
-            <a:endParaRPr lang="zh-TW" altLang="en-US" sz="2000" dirty="0"/>
+            <a:endParaRPr lang="zh-TW" altLang="en-US" sz="2400" dirty="0"/>
           </a:p>
         </p:txBody>
       </p:sp>
@@ -4024,74 +4008,111 @@
           <a:lstStyle/>
           <a:p>
             <a:r>
-              <a:rPr lang="zh-TW" altLang="en-US" sz="2000" dirty="0" smtClean="0"/>
-              <a:t>可能需要的工具</a:t>
-            </a:r>
-            <a:r>
-              <a:rPr lang="zh-TW" altLang="en-US" sz="2000" dirty="0" smtClean="0"/>
-              <a:t>：</a:t>
-            </a:r>
-            <a:endParaRPr lang="en-US" altLang="zh-TW" sz="2000" dirty="0" smtClean="0"/>
+              <a:rPr lang="zh-TW" altLang="en-US" sz="2400" dirty="0" smtClean="0"/>
+              <a:t>可能需要的工具：</a:t>
+            </a:r>
+            <a:endParaRPr lang="en-US" altLang="zh-TW" sz="2400" dirty="0" smtClean="0"/>
           </a:p>
           <a:p>
             <a:pPr lvl="1"/>
             <a:r>
-              <a:rPr lang="zh-TW" altLang="en-US" sz="2000" dirty="0" smtClean="0"/>
+              <a:rPr lang="zh-TW" altLang="en-US" sz="2400" dirty="0" smtClean="0"/>
               <a:t>輸入圖片</a:t>
             </a:r>
             <a:r>
-              <a:rPr lang="en-US" altLang="zh-TW" sz="2000" dirty="0" smtClean="0"/>
+              <a:rPr lang="en-US" altLang="zh-TW" sz="2400" dirty="0" smtClean="0"/>
               <a:t>(</a:t>
             </a:r>
             <a:r>
-              <a:rPr lang="zh-TW" altLang="en-US" sz="2000" dirty="0"/>
-              <a:t>訓練圖片尚未決定</a:t>
-            </a:r>
-            <a:r>
-              <a:rPr lang="en-US" altLang="zh-TW" sz="2000" dirty="0" smtClean="0"/>
+              <a:rPr lang="zh-TW" altLang="en-US" sz="2400" dirty="0" smtClean="0"/>
+              <a:t>車、人、物品</a:t>
+            </a:r>
+            <a:r>
+              <a:rPr lang="en-US" altLang="zh-TW" sz="2400" dirty="0" smtClean="0"/>
               <a:t>)</a:t>
             </a:r>
-            <a:endParaRPr lang="en-US" altLang="zh-TW" sz="2000" dirty="0" smtClean="0"/>
+            <a:endParaRPr lang="en-US" altLang="zh-TW" sz="2400" dirty="0" smtClean="0"/>
           </a:p>
           <a:p>
             <a:pPr lvl="1"/>
             <a:r>
-              <a:rPr lang="zh-TW" altLang="en-US" sz="2000" dirty="0" smtClean="0"/>
-              <a:t>快速獲得大量圖片的</a:t>
-            </a:r>
-            <a:r>
-              <a:rPr lang="zh-TW" altLang="en-US" sz="2000" dirty="0" smtClean="0"/>
-              <a:t>方法</a:t>
-            </a:r>
-            <a:endParaRPr lang="en-US" altLang="zh-TW" sz="2000" dirty="0" smtClean="0"/>
+              <a:rPr lang="zh-TW" altLang="en-US" sz="2400" dirty="0" smtClean="0"/>
+              <a:t>快速獲得大量圖片的方法</a:t>
+            </a:r>
+            <a:endParaRPr lang="en-US" altLang="zh-TW" sz="2400" dirty="0" smtClean="0"/>
           </a:p>
           <a:p>
             <a:pPr lvl="1"/>
             <a:r>
-              <a:rPr lang="zh-TW" altLang="en-US" sz="2000" dirty="0"/>
+              <a:rPr lang="zh-TW" altLang="en-US" sz="2400" dirty="0"/>
               <a:t>影像特徵截取及分類</a:t>
             </a:r>
             <a:r>
-              <a:rPr lang="zh-TW" altLang="en-US" sz="2000" dirty="0" smtClean="0"/>
+              <a:rPr lang="zh-TW" altLang="en-US" sz="2400" dirty="0" smtClean="0"/>
               <a:t>方式</a:t>
             </a:r>
-            <a:endParaRPr lang="en-US" altLang="zh-TW" sz="2000" dirty="0" smtClean="0"/>
+            <a:endParaRPr lang="en-US" altLang="zh-TW" sz="2400" dirty="0" smtClean="0"/>
           </a:p>
           <a:p>
             <a:pPr lvl="1"/>
             <a:r>
-              <a:rPr lang="zh-TW" altLang="en-US" sz="2000" dirty="0" smtClean="0"/>
-              <a:t>網路</a:t>
-            </a:r>
-            <a:r>
-              <a:rPr lang="zh-TW" altLang="en-US" sz="2000" dirty="0" smtClean="0"/>
-              <a:t>傳輸</a:t>
-            </a:r>
-            <a:r>
-              <a:rPr lang="zh-TW" altLang="en-US" sz="2000" dirty="0" smtClean="0"/>
+              <a:rPr lang="zh-TW" altLang="en-US" sz="2400" dirty="0" smtClean="0"/>
+              <a:t>網路傳輸</a:t>
+            </a:r>
+            <a:r>
+              <a:rPr lang="zh-TW" altLang="en-US" sz="2400" dirty="0" smtClean="0"/>
               <a:t>介面</a:t>
             </a:r>
-            <a:endParaRPr lang="en-US" altLang="zh-TW" sz="2000" dirty="0" smtClean="0"/>
+            <a:endParaRPr lang="en-US" altLang="zh-TW" sz="2400" dirty="0" smtClean="0"/>
+          </a:p>
+          <a:p>
+            <a:pPr lvl="1"/>
+            <a:endParaRPr lang="en-US" altLang="zh-TW" sz="2400" dirty="0" smtClean="0"/>
+          </a:p>
+          <a:p>
+            <a:pPr lvl="1"/>
+            <a:endParaRPr lang="en-US" altLang="zh-TW" sz="2400" dirty="0"/>
+          </a:p>
+          <a:p>
+            <a:pPr marL="457200" lvl="1" indent="0">
+              <a:buNone/>
+            </a:pPr>
+            <a:endParaRPr lang="en-US" altLang="zh-TW" sz="2400" dirty="0"/>
+          </a:p>
+          <a:p>
+            <a:pPr lvl="1"/>
+            <a:endParaRPr lang="en-US" altLang="zh-TW" sz="2400" dirty="0" smtClean="0"/>
+          </a:p>
+          <a:p>
+            <a:pPr lvl="1"/>
+            <a:endParaRPr lang="en-US" altLang="zh-TW" sz="2400" dirty="0"/>
+          </a:p>
+          <a:p>
+            <a:r>
+              <a:rPr lang="zh-TW" altLang="en-US" sz="2400" dirty="0" smtClean="0"/>
+              <a:t>可能遇到的問題：</a:t>
+            </a:r>
+            <a:endParaRPr lang="en-US" altLang="zh-TW" sz="2400" dirty="0" smtClean="0"/>
+          </a:p>
+          <a:p>
+            <a:pPr lvl="1"/>
+            <a:r>
+              <a:rPr lang="zh-TW" altLang="en-US" sz="2400" dirty="0" smtClean="0"/>
+              <a:t>當樣本數量過多，進行網路傳輸時，傳輸時間</a:t>
+            </a:r>
+            <a:r>
+              <a:rPr lang="zh-TW" altLang="en-US" sz="2400" dirty="0" smtClean="0">
+                <a:solidFill>
+                  <a:srgbClr val="FF0000"/>
+                </a:solidFill>
+              </a:rPr>
+              <a:t>大於</a:t>
+            </a:r>
+            <a:r>
+              <a:rPr lang="zh-TW" altLang="en-US" sz="2400" dirty="0" smtClean="0"/>
+              <a:t>訓練單一模型的時間</a:t>
+            </a:r>
+            <a:endParaRPr lang="en-US" altLang="zh-TW" sz="2400" dirty="0" smtClean="0"/>
           </a:p>
         </p:txBody>
       </p:sp>
@@ -4164,168 +4185,156 @@
         <p:spPr/>
         <p:txBody>
           <a:bodyPr>
-            <a:normAutofit/>
+            <a:noAutofit/>
           </a:bodyPr>
           <a:lstStyle/>
           <a:p>
             <a:r>
-              <a:rPr lang="zh-TW" altLang="en-US" sz="2000" dirty="0" smtClean="0"/>
-              <a:t>個別</a:t>
-            </a:r>
-            <a:r>
-              <a:rPr lang="zh-TW" altLang="en-US" sz="2000" dirty="0" smtClean="0"/>
-              <a:t>分析：</a:t>
-            </a:r>
-            <a:endParaRPr lang="en-US" altLang="zh-TW" sz="2000" dirty="0" smtClean="0"/>
+              <a:rPr lang="zh-TW" altLang="en-US" sz="2200" dirty="0" smtClean="0"/>
+              <a:t>個別分析：</a:t>
+            </a:r>
+            <a:endParaRPr lang="en-US" altLang="zh-TW" sz="2200" dirty="0" smtClean="0"/>
           </a:p>
           <a:p>
             <a:pPr marL="601200" lvl="2" indent="-144000"/>
             <a:r>
-              <a:rPr lang="zh-TW" altLang="en-US" sz="2000" dirty="0"/>
+              <a:rPr lang="zh-TW" altLang="en-US" sz="2200" dirty="0"/>
               <a:t>快速獲得大量圖片的</a:t>
             </a:r>
             <a:r>
-              <a:rPr lang="zh-TW" altLang="en-US" sz="2000" dirty="0" smtClean="0"/>
+              <a:rPr lang="zh-TW" altLang="en-US" sz="2200" dirty="0" smtClean="0"/>
               <a:t>方法：</a:t>
             </a:r>
-            <a:endParaRPr lang="en-US" altLang="zh-TW" sz="2000" dirty="0" smtClean="0"/>
+            <a:endParaRPr lang="en-US" altLang="zh-TW" sz="2200" dirty="0" smtClean="0"/>
           </a:p>
           <a:p>
             <a:pPr marL="1058400" lvl="3" indent="-144000"/>
             <a:r>
-              <a:rPr lang="zh-TW" altLang="en-US" sz="2000" dirty="0" smtClean="0"/>
+              <a:rPr lang="zh-TW" altLang="en-US" sz="2200" dirty="0" smtClean="0"/>
               <a:t>使用爬蟲儲存網頁上的圖片</a:t>
             </a:r>
-            <a:endParaRPr lang="en-US" altLang="zh-TW" sz="2000" dirty="0" smtClean="0"/>
+            <a:endParaRPr lang="en-US" altLang="zh-TW" sz="2200" dirty="0" smtClean="0"/>
           </a:p>
           <a:p>
             <a:pPr marL="1058400" lvl="3" indent="-144000"/>
             <a:r>
-              <a:rPr lang="zh-TW" altLang="en-US" sz="2000" dirty="0" smtClean="0"/>
-              <a:t>使用背景模型從影片</a:t>
-            </a:r>
-            <a:r>
-              <a:rPr lang="zh-TW" altLang="en-US" sz="2000" dirty="0" smtClean="0"/>
-              <a:t>切割需要的物件</a:t>
-            </a:r>
-            <a:endParaRPr lang="en-US" altLang="zh-TW" sz="2000" dirty="0" smtClean="0"/>
+              <a:rPr lang="zh-TW" altLang="en-US" sz="2200" dirty="0" smtClean="0"/>
+              <a:t>使用背景模型從影片切割需要的物件</a:t>
+            </a:r>
+            <a:endParaRPr lang="en-US" altLang="zh-TW" sz="2200" dirty="0" smtClean="0"/>
           </a:p>
           <a:p>
             <a:pPr marL="1058400" lvl="3" indent="-144000"/>
-            <a:endParaRPr lang="en-US" altLang="zh-TW" sz="2000" dirty="0" smtClean="0"/>
+            <a:endParaRPr lang="en-US" altLang="zh-TW" sz="2200" dirty="0" smtClean="0"/>
           </a:p>
           <a:p>
             <a:pPr lvl="1"/>
             <a:r>
-              <a:rPr lang="zh-TW" altLang="en-US" sz="2000" dirty="0" smtClean="0"/>
+              <a:rPr lang="zh-TW" altLang="en-US" sz="2200" dirty="0" smtClean="0"/>
               <a:t>影像</a:t>
             </a:r>
             <a:r>
-              <a:rPr lang="zh-TW" altLang="en-US" sz="2000" dirty="0"/>
+              <a:rPr lang="zh-TW" altLang="en-US" sz="2200" dirty="0"/>
               <a:t>特徵擷取：</a:t>
             </a:r>
-            <a:endParaRPr lang="en-US" altLang="zh-TW" sz="2000" dirty="0" smtClean="0"/>
+            <a:endParaRPr lang="en-US" altLang="zh-TW" sz="2200" dirty="0" smtClean="0"/>
           </a:p>
           <a:p>
             <a:pPr lvl="2"/>
             <a:r>
-              <a:rPr lang="en-US" altLang="zh-TW" sz="2000" dirty="0" smtClean="0"/>
+              <a:rPr lang="en-US" altLang="zh-TW" sz="2200" dirty="0" smtClean="0"/>
               <a:t>HOG</a:t>
             </a:r>
             <a:r>
-              <a:rPr lang="zh-TW" altLang="en-US" sz="2000" dirty="0" smtClean="0"/>
+              <a:rPr lang="zh-TW" altLang="en-US" sz="2200" dirty="0" smtClean="0"/>
               <a:t>、</a:t>
             </a:r>
             <a:r>
-              <a:rPr lang="en-US" altLang="zh-TW" sz="2000" dirty="0" smtClean="0"/>
+              <a:rPr lang="en-US" altLang="zh-TW" sz="2200" dirty="0" smtClean="0"/>
               <a:t>LBP</a:t>
             </a:r>
           </a:p>
           <a:p>
             <a:pPr lvl="2"/>
-            <a:endParaRPr lang="en-US" altLang="zh-TW" sz="2000" dirty="0"/>
+            <a:endParaRPr lang="en-US" altLang="zh-TW" sz="2200" dirty="0"/>
           </a:p>
           <a:p>
             <a:pPr lvl="1"/>
             <a:r>
-              <a:rPr lang="zh-TW" altLang="en-US" sz="2000" dirty="0" smtClean="0"/>
+              <a:rPr lang="zh-TW" altLang="en-US" sz="2200" dirty="0" smtClean="0"/>
               <a:t>分類方式：</a:t>
             </a:r>
-            <a:endParaRPr lang="en-US" altLang="zh-TW" sz="2000" dirty="0" smtClean="0"/>
+            <a:endParaRPr lang="en-US" altLang="zh-TW" sz="2200" dirty="0" smtClean="0"/>
           </a:p>
           <a:p>
             <a:pPr lvl="2"/>
             <a:r>
-              <a:rPr lang="en-US" altLang="zh-TW" sz="2000" dirty="0" smtClean="0"/>
+              <a:rPr lang="en-US" altLang="zh-TW" sz="2200" dirty="0" smtClean="0"/>
               <a:t>SVM</a:t>
             </a:r>
             <a:r>
-              <a:rPr lang="zh-TW" altLang="en-US" sz="2000" dirty="0" smtClean="0"/>
+              <a:rPr lang="zh-TW" altLang="en-US" sz="2200" dirty="0" smtClean="0"/>
               <a:t>、決策樹、</a:t>
             </a:r>
             <a:r>
-              <a:rPr lang="en-US" altLang="zh-TW" sz="2000" dirty="0" err="1" smtClean="0"/>
+              <a:rPr lang="en-US" altLang="zh-TW" sz="2200" dirty="0" err="1" smtClean="0"/>
               <a:t>knn</a:t>
             </a:r>
-            <a:endParaRPr lang="en-US" altLang="zh-TW" sz="2000" dirty="0"/>
+            <a:endParaRPr lang="en-US" altLang="zh-TW" sz="2200" dirty="0"/>
           </a:p>
           <a:p>
             <a:pPr marL="457200" lvl="1" indent="0">
               <a:buNone/>
             </a:pPr>
-            <a:endParaRPr lang="en-US" altLang="zh-TW" sz="2000" dirty="0"/>
+            <a:endParaRPr lang="en-US" altLang="zh-TW" sz="2200" dirty="0"/>
           </a:p>
           <a:p>
             <a:pPr marL="601200" lvl="2" indent="-144000"/>
             <a:r>
-              <a:rPr lang="zh-TW" altLang="en-US" sz="2000" dirty="0"/>
+              <a:rPr lang="zh-TW" altLang="en-US" sz="2200" dirty="0"/>
               <a:t>網路傳輸介面：</a:t>
             </a:r>
-            <a:endParaRPr lang="en-US" altLang="zh-TW" sz="2000" dirty="0"/>
+            <a:endParaRPr lang="en-US" altLang="zh-TW" sz="2200" dirty="0"/>
           </a:p>
           <a:p>
             <a:pPr marL="1058400" lvl="3" indent="-144000"/>
             <a:r>
-              <a:rPr lang="zh-TW" altLang="en-US" sz="2000" dirty="0"/>
+              <a:rPr lang="zh-TW" altLang="en-US" sz="2200" dirty="0"/>
               <a:t>透過</a:t>
             </a:r>
             <a:r>
-              <a:rPr lang="en-US" altLang="zh-TW" sz="2000" dirty="0"/>
+              <a:rPr lang="en-US" altLang="zh-TW" sz="2200" dirty="0"/>
               <a:t>Socket</a:t>
             </a:r>
             <a:r>
-              <a:rPr lang="zh-TW" altLang="en-US" sz="2000" dirty="0"/>
+              <a:rPr lang="zh-TW" altLang="en-US" sz="2200" dirty="0"/>
               <a:t>進行傳輸</a:t>
             </a:r>
-            <a:endParaRPr lang="en-US" altLang="zh-TW" sz="2000" dirty="0"/>
+            <a:endParaRPr lang="en-US" altLang="zh-TW" sz="2200" dirty="0"/>
           </a:p>
           <a:p>
             <a:pPr marL="1058400" lvl="3" indent="-144000"/>
             <a:r>
-              <a:rPr lang="zh-TW" altLang="en-US" sz="2000" dirty="0"/>
+              <a:rPr lang="zh-TW" altLang="en-US" sz="2200" dirty="0"/>
               <a:t>網路由學校</a:t>
             </a:r>
             <a:r>
-              <a:rPr lang="en-US" altLang="zh-TW" sz="2000" dirty="0" err="1"/>
+              <a:rPr lang="en-US" altLang="zh-TW" sz="2200" dirty="0" err="1"/>
               <a:t>wifi</a:t>
             </a:r>
             <a:r>
-              <a:rPr lang="zh-TW" altLang="en-US" sz="2000" dirty="0"/>
+              <a:rPr lang="zh-TW" altLang="en-US" sz="2200" dirty="0"/>
               <a:t>或手機</a:t>
             </a:r>
             <a:r>
-              <a:rPr lang="en-US" altLang="zh-TW" sz="2000" dirty="0"/>
+              <a:rPr lang="en-US" altLang="zh-TW" sz="2200" dirty="0"/>
               <a:t>4G</a:t>
             </a:r>
             <a:r>
-              <a:rPr lang="zh-TW" altLang="en-US" sz="2000" dirty="0"/>
+              <a:rPr lang="zh-TW" altLang="en-US" sz="2200" dirty="0" smtClean="0"/>
               <a:t>提供</a:t>
             </a:r>
-            <a:endParaRPr lang="en-US" altLang="zh-TW" sz="2000" dirty="0"/>
-          </a:p>
-          <a:p>
-            <a:pPr lvl="2"/>
-            <a:endParaRPr lang="zh-TW" altLang="en-US" sz="2000" dirty="0" smtClean="0"/>
+            <a:endParaRPr lang="en-US" altLang="zh-TW" sz="2200" dirty="0"/>
           </a:p>
         </p:txBody>
       </p:sp>

--- a/final/基於分散式網路架構進行階層式分類.pptx
+++ b/final/基於分散式網路架構進行階層式分類.pptx
@@ -5,16 +5,17 @@
     <p:sldMasterId id="2147483648" r:id="rId1"/>
   </p:sldMasterIdLst>
   <p:notesMasterIdLst>
-    <p:notesMasterId r:id="rId6"/>
+    <p:notesMasterId r:id="rId7"/>
   </p:notesMasterIdLst>
   <p:handoutMasterIdLst>
-    <p:handoutMasterId r:id="rId7"/>
+    <p:handoutMasterId r:id="rId8"/>
   </p:handoutMasterIdLst>
   <p:sldIdLst>
     <p:sldId id="259" r:id="rId2"/>
     <p:sldId id="260" r:id="rId3"/>
-    <p:sldId id="261" r:id="rId4"/>
-    <p:sldId id="263" r:id="rId5"/>
+    <p:sldId id="264" r:id="rId4"/>
+    <p:sldId id="261" r:id="rId5"/>
+    <p:sldId id="263" r:id="rId6"/>
   </p:sldIdLst>
   <p:sldSz cx="12192000" cy="6858000"/>
   <p:notesSz cx="6858000" cy="9144000"/>
@@ -3906,33 +3907,6 @@
               <a:rPr lang="zh-TW" altLang="en-US" sz="2400" dirty="0" smtClean="0"/>
               <a:t>以上</a:t>
             </a:r>
-            <a:endParaRPr lang="en-US" altLang="zh-TW" sz="2400" dirty="0" smtClean="0"/>
-          </a:p>
-          <a:p>
-            <a:pPr marL="457200" lvl="1" indent="0">
-              <a:buNone/>
-            </a:pPr>
-            <a:endParaRPr lang="en-US" altLang="zh-TW" sz="2400" dirty="0"/>
-          </a:p>
-          <a:p>
-            <a:r>
-              <a:rPr lang="zh-TW" altLang="en-US" sz="2400" dirty="0"/>
-              <a:t>硬體需求：數台樹莓派</a:t>
-            </a:r>
-            <a:r>
-              <a:rPr lang="en-US" altLang="zh-TW" sz="2400" dirty="0"/>
-              <a:t>(</a:t>
-            </a:r>
-            <a:r>
-              <a:rPr lang="zh-TW" altLang="en-US" sz="2400" dirty="0"/>
-              <a:t>根據分層結構所需再做調整</a:t>
-            </a:r>
-            <a:r>
-              <a:rPr lang="en-US" altLang="zh-TW" sz="2400" dirty="0"/>
-              <a:t>)</a:t>
-            </a:r>
-          </a:p>
-          <a:p>
             <a:endParaRPr lang="zh-TW" altLang="en-US" sz="2400" dirty="0"/>
           </a:p>
         </p:txBody>
@@ -4009,110 +3983,87 @@
           <a:p>
             <a:r>
               <a:rPr lang="zh-TW" altLang="en-US" sz="2400" dirty="0" smtClean="0"/>
-              <a:t>可能需要的工具：</a:t>
-            </a:r>
-            <a:endParaRPr lang="en-US" altLang="zh-TW" sz="2400" dirty="0" smtClean="0"/>
-          </a:p>
-          <a:p>
-            <a:pPr lvl="1"/>
-            <a:r>
-              <a:rPr lang="zh-TW" altLang="en-US" sz="2400" dirty="0" smtClean="0"/>
-              <a:t>輸入圖片</a:t>
-            </a:r>
-            <a:r>
-              <a:rPr lang="en-US" altLang="zh-TW" sz="2400" dirty="0" smtClean="0"/>
+              <a:t>硬體</a:t>
+            </a:r>
+            <a:r>
+              <a:rPr lang="zh-TW" altLang="en-US" sz="2400" dirty="0"/>
+              <a:t>需求：數台樹莓派</a:t>
+            </a:r>
+            <a:r>
+              <a:rPr lang="en-US" altLang="zh-TW" sz="2400" dirty="0"/>
               <a:t>(</a:t>
             </a:r>
             <a:r>
-              <a:rPr lang="zh-TW" altLang="en-US" sz="2400" dirty="0" smtClean="0"/>
-              <a:t>車、人、物品</a:t>
+              <a:rPr lang="zh-TW" altLang="en-US" sz="2400" dirty="0"/>
+              <a:t>根據分層結構所需再做調整</a:t>
             </a:r>
             <a:r>
               <a:rPr lang="en-US" altLang="zh-TW" sz="2400" dirty="0" smtClean="0"/>
               <a:t>)</a:t>
             </a:r>
+          </a:p>
+          <a:p>
             <a:endParaRPr lang="en-US" altLang="zh-TW" sz="2400" dirty="0" smtClean="0"/>
           </a:p>
           <a:p>
+            <a:r>
+              <a:rPr lang="zh-TW" altLang="en-US" sz="2400" dirty="0" smtClean="0"/>
+              <a:t>軟體需求：</a:t>
+            </a:r>
+            <a:endParaRPr lang="en-US" altLang="zh-TW" sz="2400" dirty="0" smtClean="0"/>
+          </a:p>
+          <a:p>
             <a:pPr lvl="1"/>
             <a:r>
               <a:rPr lang="zh-TW" altLang="en-US" sz="2400" dirty="0" smtClean="0"/>
-              <a:t>快速獲得大量圖片的方法</a:t>
+              <a:t>語言：</a:t>
             </a:r>
             <a:endParaRPr lang="en-US" altLang="zh-TW" sz="2400" dirty="0" smtClean="0"/>
           </a:p>
           <a:p>
+            <a:pPr lvl="2"/>
+            <a:r>
+              <a:rPr lang="en-US" altLang="zh-TW" sz="2400" dirty="0" smtClean="0"/>
+              <a:t>Python3</a:t>
+            </a:r>
+          </a:p>
+          <a:p>
+            <a:pPr lvl="2"/>
+            <a:r>
+              <a:rPr lang="en-US" altLang="zh-TW" sz="2400" dirty="0" smtClean="0"/>
+              <a:t>Java</a:t>
+            </a:r>
+          </a:p>
+          <a:p>
+            <a:pPr lvl="2"/>
+            <a:endParaRPr lang="en-US" altLang="zh-TW" sz="2400" dirty="0"/>
+          </a:p>
+          <a:p>
             <a:pPr lvl="1"/>
             <a:r>
-              <a:rPr lang="zh-TW" altLang="en-US" sz="2400" dirty="0"/>
-              <a:t>影像特徵截取及分類</a:t>
-            </a:r>
-            <a:r>
               <a:rPr lang="zh-TW" altLang="en-US" sz="2400" dirty="0" smtClean="0"/>
-              <a:t>方式</a:t>
+              <a:t>套件：</a:t>
             </a:r>
             <a:endParaRPr lang="en-US" altLang="zh-TW" sz="2400" dirty="0" smtClean="0"/>
           </a:p>
           <a:p>
-            <a:pPr lvl="1"/>
+            <a:pPr lvl="2"/>
+            <a:r>
+              <a:rPr lang="en-US" altLang="zh-TW" sz="2400" dirty="0" err="1" smtClean="0"/>
+              <a:t>OpenCV</a:t>
+            </a:r>
             <a:r>
               <a:rPr lang="zh-TW" altLang="en-US" sz="2400" dirty="0" smtClean="0"/>
-              <a:t>網路傳輸</a:t>
-            </a:r>
-            <a:r>
-              <a:rPr lang="zh-TW" altLang="en-US" sz="2400" dirty="0" smtClean="0"/>
-              <a:t>介面</a:t>
-            </a:r>
-            <a:endParaRPr lang="en-US" altLang="zh-TW" sz="2400" dirty="0" smtClean="0"/>
-          </a:p>
-          <a:p>
-            <a:pPr lvl="1"/>
-            <a:endParaRPr lang="en-US" altLang="zh-TW" sz="2400" dirty="0" smtClean="0"/>
-          </a:p>
-          <a:p>
-            <a:pPr lvl="1"/>
+              <a:t> </a:t>
+            </a:r>
+            <a:r>
+              <a:rPr lang="en-US" altLang="zh-TW" sz="2400" dirty="0" smtClean="0"/>
+              <a:t>3</a:t>
+            </a:r>
             <a:endParaRPr lang="en-US" altLang="zh-TW" sz="2400" dirty="0"/>
           </a:p>
           <a:p>
-            <a:pPr marL="457200" lvl="1" indent="0">
-              <a:buNone/>
-            </a:pPr>
-            <a:endParaRPr lang="en-US" altLang="zh-TW" sz="2400" dirty="0"/>
-          </a:p>
-          <a:p>
-            <a:pPr lvl="1"/>
-            <a:endParaRPr lang="en-US" altLang="zh-TW" sz="2400" dirty="0" smtClean="0"/>
-          </a:p>
-          <a:p>
-            <a:pPr lvl="1"/>
-            <a:endParaRPr lang="en-US" altLang="zh-TW" sz="2400" dirty="0"/>
-          </a:p>
-          <a:p>
-            <a:r>
-              <a:rPr lang="zh-TW" altLang="en-US" sz="2400" dirty="0" smtClean="0"/>
-              <a:t>可能遇到的問題：</a:t>
-            </a:r>
-            <a:endParaRPr lang="en-US" altLang="zh-TW" sz="2400" dirty="0" smtClean="0"/>
-          </a:p>
-          <a:p>
-            <a:pPr lvl="1"/>
-            <a:r>
-              <a:rPr lang="zh-TW" altLang="en-US" sz="2400" dirty="0" smtClean="0"/>
-              <a:t>當樣本數量過多，進行網路傳輸時，傳輸時間</a:t>
-            </a:r>
-            <a:r>
-              <a:rPr lang="zh-TW" altLang="en-US" sz="2400" dirty="0" smtClean="0">
-                <a:solidFill>
-                  <a:srgbClr val="FF0000"/>
-                </a:solidFill>
-              </a:rPr>
-              <a:t>大於</a:t>
-            </a:r>
-            <a:r>
-              <a:rPr lang="zh-TW" altLang="en-US" sz="2400" dirty="0" smtClean="0"/>
-              <a:t>訓練單一模型的時間</a:t>
-            </a:r>
-            <a:endParaRPr lang="en-US" altLang="zh-TW" sz="2400" dirty="0" smtClean="0"/>
+            <a:endParaRPr lang="zh-TW" altLang="en-US" sz="2400" dirty="0"/>
           </a:p>
         </p:txBody>
       </p:sp>
@@ -4133,19 +4084,16 @@
           <a:p>
             <a:r>
               <a:rPr lang="zh-TW" altLang="en-US" dirty="0" smtClean="0"/>
-              <a:t>分</a:t>
-            </a:r>
-            <a:r>
-              <a:rPr lang="zh-TW" altLang="en-US" dirty="0"/>
-              <a:t>析</a:t>
-            </a:r>
+              <a:t>需求</a:t>
+            </a:r>
+            <a:endParaRPr lang="zh-TW" altLang="en-US" dirty="0"/>
           </a:p>
         </p:txBody>
       </p:sp>
     </p:spTree>
     <p:extLst>
       <p:ext uri="{BB962C8B-B14F-4D97-AF65-F5344CB8AC3E}">
-        <p14:creationId xmlns:p14="http://schemas.microsoft.com/office/powerpoint/2010/main" val="1743195245"/>
+        <p14:creationId xmlns:p14="http://schemas.microsoft.com/office/powerpoint/2010/main" val="4172146692"/>
       </p:ext>
     </p:extLst>
   </p:cSld>
@@ -4185,156 +4133,325 @@
         <p:spPr/>
         <p:txBody>
           <a:bodyPr>
+            <a:normAutofit/>
+          </a:bodyPr>
+          <a:lstStyle/>
+          <a:p>
+            <a:r>
+              <a:rPr lang="zh-TW" altLang="en-US" sz="2400" dirty="0" smtClean="0"/>
+              <a:t>可能需要的工具：</a:t>
+            </a:r>
+            <a:endParaRPr lang="en-US" altLang="zh-TW" sz="2400" dirty="0" smtClean="0"/>
+          </a:p>
+          <a:p>
+            <a:pPr lvl="1"/>
+            <a:r>
+              <a:rPr lang="zh-TW" altLang="en-US" sz="2400" dirty="0" smtClean="0"/>
+              <a:t>輸入圖片</a:t>
+            </a:r>
+            <a:r>
+              <a:rPr lang="en-US" altLang="zh-TW" sz="2400" dirty="0" smtClean="0"/>
+              <a:t>(</a:t>
+            </a:r>
+            <a:r>
+              <a:rPr lang="zh-TW" altLang="en-US" sz="2400" dirty="0" smtClean="0"/>
+              <a:t>車、人、物品</a:t>
+            </a:r>
+            <a:r>
+              <a:rPr lang="en-US" altLang="zh-TW" sz="2400" dirty="0" smtClean="0"/>
+              <a:t>)</a:t>
+            </a:r>
+          </a:p>
+          <a:p>
+            <a:pPr lvl="1"/>
+            <a:r>
+              <a:rPr lang="zh-TW" altLang="en-US" sz="2400" dirty="0" smtClean="0"/>
+              <a:t>快速獲得大量圖片的方法</a:t>
+            </a:r>
+            <a:endParaRPr lang="en-US" altLang="zh-TW" sz="2400" dirty="0" smtClean="0"/>
+          </a:p>
+          <a:p>
+            <a:pPr lvl="1"/>
+            <a:r>
+              <a:rPr lang="zh-TW" altLang="en-US" sz="2400" dirty="0"/>
+              <a:t>影像特徵截取及分類</a:t>
+            </a:r>
+            <a:r>
+              <a:rPr lang="zh-TW" altLang="en-US" sz="2400" dirty="0" smtClean="0"/>
+              <a:t>方式</a:t>
+            </a:r>
+            <a:endParaRPr lang="en-US" altLang="zh-TW" sz="2400" dirty="0" smtClean="0"/>
+          </a:p>
+          <a:p>
+            <a:pPr lvl="1"/>
+            <a:r>
+              <a:rPr lang="zh-TW" altLang="en-US" sz="2400" dirty="0" smtClean="0"/>
+              <a:t>網路傳輸介面</a:t>
+            </a:r>
+            <a:endParaRPr lang="en-US" altLang="zh-TW" sz="2400" dirty="0" smtClean="0"/>
+          </a:p>
+          <a:p>
+            <a:pPr lvl="1"/>
+            <a:endParaRPr lang="en-US" altLang="zh-TW" sz="2400" dirty="0" smtClean="0"/>
+          </a:p>
+          <a:p>
+            <a:pPr lvl="1"/>
+            <a:endParaRPr lang="en-US" altLang="zh-TW" sz="2400" dirty="0"/>
+          </a:p>
+          <a:p>
+            <a:pPr marL="457200" lvl="1" indent="0">
+              <a:buNone/>
+            </a:pPr>
+            <a:endParaRPr lang="en-US" altLang="zh-TW" sz="2400" dirty="0"/>
+          </a:p>
+          <a:p>
+            <a:pPr lvl="1"/>
+            <a:endParaRPr lang="en-US" altLang="zh-TW" sz="2400" dirty="0" smtClean="0"/>
+          </a:p>
+          <a:p>
+            <a:pPr lvl="1"/>
+            <a:endParaRPr lang="en-US" altLang="zh-TW" sz="2400" dirty="0"/>
+          </a:p>
+          <a:p>
+            <a:r>
+              <a:rPr lang="zh-TW" altLang="en-US" sz="2400" dirty="0" smtClean="0"/>
+              <a:t>可能遇到的問題：</a:t>
+            </a:r>
+            <a:endParaRPr lang="en-US" altLang="zh-TW" sz="2400" dirty="0" smtClean="0"/>
+          </a:p>
+          <a:p>
+            <a:pPr lvl="1"/>
+            <a:r>
+              <a:rPr lang="zh-TW" altLang="en-US" sz="2400" dirty="0" smtClean="0"/>
+              <a:t>當樣本數量過多，進行網路傳輸時，傳輸時間</a:t>
+            </a:r>
+            <a:r>
+              <a:rPr lang="zh-TW" altLang="en-US" sz="2400" dirty="0" smtClean="0">
+                <a:solidFill>
+                  <a:srgbClr val="FF0000"/>
+                </a:solidFill>
+              </a:rPr>
+              <a:t>大於</a:t>
+            </a:r>
+            <a:r>
+              <a:rPr lang="zh-TW" altLang="en-US" sz="2400" dirty="0" smtClean="0"/>
+              <a:t>訓練單一模型的時間</a:t>
+            </a:r>
+            <a:endParaRPr lang="en-US" altLang="zh-TW" sz="2400" dirty="0" smtClean="0"/>
+          </a:p>
+        </p:txBody>
+      </p:sp>
+      <p:sp>
+        <p:nvSpPr>
+          <p:cNvPr id="3" name="標題 2"/>
+          <p:cNvSpPr>
+            <a:spLocks noGrp="1"/>
+          </p:cNvSpPr>
+          <p:nvPr>
+            <p:ph type="title"/>
+          </p:nvPr>
+        </p:nvSpPr>
+        <p:spPr/>
+        <p:txBody>
+          <a:bodyPr/>
+          <a:lstStyle/>
+          <a:p>
+            <a:r>
+              <a:rPr lang="zh-TW" altLang="en-US" dirty="0" smtClean="0"/>
+              <a:t>分析</a:t>
+            </a:r>
+            <a:endParaRPr lang="zh-TW" altLang="en-US" dirty="0"/>
+          </a:p>
+        </p:txBody>
+      </p:sp>
+    </p:spTree>
+    <p:extLst>
+      <p:ext uri="{BB962C8B-B14F-4D97-AF65-F5344CB8AC3E}">
+        <p14:creationId xmlns:p14="http://schemas.microsoft.com/office/powerpoint/2010/main" val="1743195245"/>
+      </p:ext>
+    </p:extLst>
+  </p:cSld>
+  <p:clrMapOvr>
+    <a:masterClrMapping/>
+  </p:clrMapOvr>
+</p:sld>
+</file>
+
+<file path=ppt/slides/slide5.xml><?xml version="1.0" encoding="utf-8"?>
+<p:sld xmlns:a="http://schemas.openxmlformats.org/drawingml/2006/main" xmlns:r="http://schemas.openxmlformats.org/officeDocument/2006/relationships" xmlns:p="http://schemas.openxmlformats.org/presentationml/2006/main">
+  <p:cSld>
+    <p:spTree>
+      <p:nvGrpSpPr>
+        <p:cNvPr id="1" name=""/>
+        <p:cNvGrpSpPr/>
+        <p:nvPr/>
+      </p:nvGrpSpPr>
+      <p:grpSpPr>
+        <a:xfrm>
+          <a:off x="0" y="0"/>
+          <a:ext cx="0" cy="0"/>
+          <a:chOff x="0" y="0"/>
+          <a:chExt cx="0" cy="0"/>
+        </a:xfrm>
+      </p:grpSpPr>
+      <p:sp>
+        <p:nvSpPr>
+          <p:cNvPr id="2" name="內容版面配置區 1"/>
+          <p:cNvSpPr>
+            <a:spLocks noGrp="1"/>
+          </p:cNvSpPr>
+          <p:nvPr>
+            <p:ph idx="1"/>
+          </p:nvPr>
+        </p:nvSpPr>
+        <p:spPr/>
+        <p:txBody>
+          <a:bodyPr>
             <a:noAutofit/>
           </a:bodyPr>
           <a:lstStyle/>
           <a:p>
-            <a:r>
-              <a:rPr lang="zh-TW" altLang="en-US" sz="2200" dirty="0" smtClean="0"/>
-              <a:t>個別分析：</a:t>
-            </a:r>
-            <a:endParaRPr lang="en-US" altLang="zh-TW" sz="2200" dirty="0" smtClean="0"/>
+            <a:pPr marL="144000" lvl="1" indent="-144000"/>
+            <a:r>
+              <a:rPr lang="zh-TW" altLang="en-US" sz="2400" dirty="0" smtClean="0"/>
+              <a:t>快速</a:t>
+            </a:r>
+            <a:r>
+              <a:rPr lang="zh-TW" altLang="en-US" sz="2400" dirty="0"/>
+              <a:t>獲得大量圖片的</a:t>
+            </a:r>
+            <a:r>
+              <a:rPr lang="zh-TW" altLang="en-US" sz="2400" dirty="0" smtClean="0"/>
+              <a:t>方法：</a:t>
+            </a:r>
+            <a:endParaRPr lang="en-US" altLang="zh-TW" sz="2400" dirty="0" smtClean="0"/>
           </a:p>
           <a:p>
             <a:pPr marL="601200" lvl="2" indent="-144000"/>
             <a:r>
-              <a:rPr lang="zh-TW" altLang="en-US" sz="2200" dirty="0"/>
-              <a:t>快速獲得大量圖片的</a:t>
-            </a:r>
-            <a:r>
-              <a:rPr lang="zh-TW" altLang="en-US" sz="2200" dirty="0" smtClean="0"/>
-              <a:t>方法：</a:t>
-            </a:r>
-            <a:endParaRPr lang="en-US" altLang="zh-TW" sz="2200" dirty="0" smtClean="0"/>
-          </a:p>
-          <a:p>
-            <a:pPr marL="1058400" lvl="3" indent="-144000"/>
-            <a:r>
-              <a:rPr lang="zh-TW" altLang="en-US" sz="2200" dirty="0" smtClean="0"/>
+              <a:rPr lang="zh-TW" altLang="en-US" sz="2400" dirty="0" smtClean="0"/>
               <a:t>使用爬蟲儲存網頁上的圖片</a:t>
             </a:r>
-            <a:endParaRPr lang="en-US" altLang="zh-TW" sz="2200" dirty="0" smtClean="0"/>
-          </a:p>
-          <a:p>
-            <a:pPr marL="1058400" lvl="3" indent="-144000"/>
-            <a:r>
-              <a:rPr lang="zh-TW" altLang="en-US" sz="2200" dirty="0" smtClean="0"/>
+            <a:endParaRPr lang="en-US" altLang="zh-TW" sz="2400" dirty="0" smtClean="0"/>
+          </a:p>
+          <a:p>
+            <a:pPr marL="601200" lvl="2" indent="-144000"/>
+            <a:r>
+              <a:rPr lang="zh-TW" altLang="en-US" sz="2400" dirty="0" smtClean="0"/>
               <a:t>使用背景模型從影片切割需要的物件</a:t>
             </a:r>
-            <a:endParaRPr lang="en-US" altLang="zh-TW" sz="2200" dirty="0" smtClean="0"/>
-          </a:p>
-          <a:p>
-            <a:pPr marL="1058400" lvl="3" indent="-144000"/>
-            <a:endParaRPr lang="en-US" altLang="zh-TW" sz="2200" dirty="0" smtClean="0"/>
+            <a:endParaRPr lang="en-US" altLang="zh-TW" sz="2400" dirty="0" smtClean="0"/>
+          </a:p>
+          <a:p>
+            <a:pPr marL="601200" lvl="2" indent="-144000"/>
+            <a:endParaRPr lang="en-US" altLang="zh-TW" sz="2400" dirty="0" smtClean="0"/>
+          </a:p>
+          <a:p>
+            <a:r>
+              <a:rPr lang="zh-TW" altLang="en-US" sz="2400" dirty="0" smtClean="0"/>
+              <a:t>影像</a:t>
+            </a:r>
+            <a:r>
+              <a:rPr lang="zh-TW" altLang="en-US" sz="2400" dirty="0"/>
+              <a:t>特徵擷取：</a:t>
+            </a:r>
+            <a:endParaRPr lang="en-US" altLang="zh-TW" sz="2400" dirty="0" smtClean="0"/>
           </a:p>
           <a:p>
             <a:pPr lvl="1"/>
             <a:r>
-              <a:rPr lang="zh-TW" altLang="en-US" sz="2200" dirty="0" smtClean="0"/>
-              <a:t>影像</a:t>
-            </a:r>
-            <a:r>
-              <a:rPr lang="zh-TW" altLang="en-US" sz="2200" dirty="0"/>
-              <a:t>特徵擷取：</a:t>
-            </a:r>
-            <a:endParaRPr lang="en-US" altLang="zh-TW" sz="2200" dirty="0" smtClean="0"/>
-          </a:p>
-          <a:p>
-            <a:pPr lvl="2"/>
-            <a:r>
-              <a:rPr lang="en-US" altLang="zh-TW" sz="2200" dirty="0" smtClean="0"/>
+              <a:rPr lang="en-US" altLang="zh-TW" sz="2400" dirty="0" smtClean="0"/>
               <a:t>HOG</a:t>
             </a:r>
             <a:r>
-              <a:rPr lang="zh-TW" altLang="en-US" sz="2200" dirty="0" smtClean="0"/>
+              <a:rPr lang="zh-TW" altLang="en-US" sz="2400" dirty="0" smtClean="0"/>
               <a:t>、</a:t>
             </a:r>
             <a:r>
-              <a:rPr lang="en-US" altLang="zh-TW" sz="2200" dirty="0" smtClean="0"/>
+              <a:rPr lang="en-US" altLang="zh-TW" sz="2400" dirty="0" smtClean="0"/>
               <a:t>LBP</a:t>
             </a:r>
           </a:p>
           <a:p>
-            <a:pPr lvl="2"/>
-            <a:endParaRPr lang="en-US" altLang="zh-TW" sz="2200" dirty="0"/>
-          </a:p>
-          <a:p>
             <a:pPr lvl="1"/>
-            <a:r>
-              <a:rPr lang="zh-TW" altLang="en-US" sz="2200" dirty="0" smtClean="0"/>
+            <a:endParaRPr lang="en-US" altLang="zh-TW" sz="2400" dirty="0"/>
+          </a:p>
+          <a:p>
+            <a:r>
+              <a:rPr lang="zh-TW" altLang="en-US" sz="2400" dirty="0" smtClean="0"/>
               <a:t>分類方式：</a:t>
             </a:r>
-            <a:endParaRPr lang="en-US" altLang="zh-TW" sz="2200" dirty="0" smtClean="0"/>
-          </a:p>
-          <a:p>
-            <a:pPr lvl="2"/>
-            <a:r>
-              <a:rPr lang="en-US" altLang="zh-TW" sz="2200" dirty="0" smtClean="0"/>
+            <a:endParaRPr lang="en-US" altLang="zh-TW" sz="2400" dirty="0" smtClean="0"/>
+          </a:p>
+          <a:p>
+            <a:pPr lvl="1"/>
+            <a:r>
+              <a:rPr lang="en-US" altLang="zh-TW" sz="2400" dirty="0" smtClean="0"/>
               <a:t>SVM</a:t>
             </a:r>
             <a:r>
-              <a:rPr lang="zh-TW" altLang="en-US" sz="2200" dirty="0" smtClean="0"/>
+              <a:rPr lang="zh-TW" altLang="en-US" sz="2400" dirty="0" smtClean="0"/>
               <a:t>、決策樹、</a:t>
             </a:r>
             <a:r>
-              <a:rPr lang="en-US" altLang="zh-TW" sz="2200" dirty="0" err="1" smtClean="0"/>
+              <a:rPr lang="en-US" altLang="zh-TW" sz="2400" dirty="0" err="1" smtClean="0"/>
               <a:t>knn</a:t>
             </a:r>
-            <a:endParaRPr lang="en-US" altLang="zh-TW" sz="2200" dirty="0"/>
-          </a:p>
-          <a:p>
-            <a:pPr marL="457200" lvl="1" indent="0">
+            <a:endParaRPr lang="en-US" altLang="zh-TW" sz="2400" dirty="0"/>
+          </a:p>
+          <a:p>
+            <a:pPr marL="0" indent="-84600">
               <a:buNone/>
             </a:pPr>
-            <a:endParaRPr lang="en-US" altLang="zh-TW" sz="2200" dirty="0"/>
+            <a:endParaRPr lang="en-US" altLang="zh-TW" sz="2400" dirty="0"/>
+          </a:p>
+          <a:p>
+            <a:pPr marL="144000" lvl="1" indent="-144000"/>
+            <a:r>
+              <a:rPr lang="zh-TW" altLang="en-US" sz="2400" dirty="0"/>
+              <a:t>網路傳輸介面：</a:t>
+            </a:r>
+            <a:endParaRPr lang="en-US" altLang="zh-TW" sz="2400" dirty="0"/>
           </a:p>
           <a:p>
             <a:pPr marL="601200" lvl="2" indent="-144000"/>
             <a:r>
-              <a:rPr lang="zh-TW" altLang="en-US" sz="2200" dirty="0"/>
-              <a:t>網路傳輸介面：</a:t>
-            </a:r>
-            <a:endParaRPr lang="en-US" altLang="zh-TW" sz="2200" dirty="0"/>
-          </a:p>
-          <a:p>
-            <a:pPr marL="1058400" lvl="3" indent="-144000"/>
-            <a:r>
-              <a:rPr lang="zh-TW" altLang="en-US" sz="2200" dirty="0"/>
+              <a:rPr lang="zh-TW" altLang="en-US" sz="2400" dirty="0"/>
               <a:t>透過</a:t>
             </a:r>
             <a:r>
-              <a:rPr lang="en-US" altLang="zh-TW" sz="2200" dirty="0"/>
+              <a:rPr lang="en-US" altLang="zh-TW" sz="2400" dirty="0"/>
               <a:t>Socket</a:t>
             </a:r>
             <a:r>
-              <a:rPr lang="zh-TW" altLang="en-US" sz="2200" dirty="0"/>
+              <a:rPr lang="zh-TW" altLang="en-US" sz="2400" dirty="0"/>
               <a:t>進行傳輸</a:t>
             </a:r>
-            <a:endParaRPr lang="en-US" altLang="zh-TW" sz="2200" dirty="0"/>
-          </a:p>
-          <a:p>
-            <a:pPr marL="1058400" lvl="3" indent="-144000"/>
-            <a:r>
-              <a:rPr lang="zh-TW" altLang="en-US" sz="2200" dirty="0"/>
+            <a:endParaRPr lang="en-US" altLang="zh-TW" sz="2400" dirty="0"/>
+          </a:p>
+          <a:p>
+            <a:pPr marL="601200" lvl="2" indent="-144000"/>
+            <a:r>
+              <a:rPr lang="zh-TW" altLang="en-US" sz="2400" dirty="0"/>
               <a:t>網路由學校</a:t>
             </a:r>
             <a:r>
-              <a:rPr lang="en-US" altLang="zh-TW" sz="2200" dirty="0" err="1"/>
+              <a:rPr lang="en-US" altLang="zh-TW" sz="2400" dirty="0" err="1"/>
               <a:t>wifi</a:t>
             </a:r>
             <a:r>
-              <a:rPr lang="zh-TW" altLang="en-US" sz="2200" dirty="0"/>
+              <a:rPr lang="zh-TW" altLang="en-US" sz="2400" dirty="0"/>
               <a:t>或手機</a:t>
             </a:r>
             <a:r>
-              <a:rPr lang="en-US" altLang="zh-TW" sz="2200" dirty="0"/>
+              <a:rPr lang="en-US" altLang="zh-TW" sz="2400" dirty="0"/>
               <a:t>4G</a:t>
             </a:r>
             <a:r>
-              <a:rPr lang="zh-TW" altLang="en-US" sz="2200" dirty="0" smtClean="0"/>
+              <a:rPr lang="zh-TW" altLang="en-US" sz="2400" dirty="0" smtClean="0"/>
               <a:t>提供</a:t>
             </a:r>
-            <a:endParaRPr lang="en-US" altLang="zh-TW" sz="2200" dirty="0"/>
+            <a:endParaRPr lang="en-US" altLang="zh-TW" sz="2400" dirty="0"/>
           </a:p>
         </p:txBody>
       </p:sp>
@@ -4355,12 +4472,21 @@
           <a:p>
             <a:r>
               <a:rPr lang="zh-TW" altLang="en-US" dirty="0" smtClean="0"/>
-              <a:t>分</a:t>
+              <a:t>分析 </a:t>
+            </a:r>
+            <a:r>
+              <a:rPr lang="en-US" altLang="zh-TW" dirty="0" smtClean="0"/>
+              <a:t>- </a:t>
+            </a:r>
+            <a:r>
+              <a:rPr lang="zh-TW" altLang="en-US" dirty="0" smtClean="0"/>
+              <a:t>個別</a:t>
             </a:r>
             <a:r>
               <a:rPr lang="zh-TW" altLang="en-US" dirty="0"/>
-              <a:t>析</a:t>
-            </a:r>
+              <a:t>分析</a:t>
+            </a:r>
+            <a:endParaRPr lang="zh-TW" altLang="en-US" dirty="0"/>
           </a:p>
         </p:txBody>
       </p:sp>
